--- a/活动/送书活动.pptx
+++ b/活动/送书活动.pptx
@@ -104,6 +104,11 @@
       </a:defRPr>
     </a:lvl9pPr>
   </p:defaultTextStyle>
+  <p:extLst>
+    <p:ext uri="{EFAFB233-063F-42B5-8137-9DF3F51BA10A}">
+      <p15:sldGuideLst xmlns:p15="http://schemas.microsoft.com/office/powerpoint/2012/main"/>
+    </p:ext>
+  </p:extLst>
 </p:presentation>
 </file>
 
@@ -489,7 +494,7 @@
             <a:fld id="{B61BEF0D-F0BB-DE4B-95CE-6DB70DBA9567}" type="datetimeFigureOut">
               <a:rPr lang="en-US" smtClean="0"/>
               <a:pPr/>
-              <a:t>11/10/2024</a:t>
+              <a:t>11/16/2024</a:t>
             </a:fld>
             <a:endParaRPr lang="en-US" dirty="0"/>
           </a:p>
@@ -757,7 +762,7 @@
             <a:fld id="{B61BEF0D-F0BB-DE4B-95CE-6DB70DBA9567}" type="datetimeFigureOut">
               <a:rPr lang="en-US" smtClean="0"/>
               <a:pPr/>
-              <a:t>11/10/2024</a:t>
+              <a:t>11/16/2024</a:t>
             </a:fld>
             <a:endParaRPr lang="en-US" dirty="0"/>
           </a:p>
@@ -1009,7 +1014,7 @@
             <a:fld id="{B61BEF0D-F0BB-DE4B-95CE-6DB70DBA9567}" type="datetimeFigureOut">
               <a:rPr lang="en-US" smtClean="0"/>
               <a:pPr/>
-              <a:t>11/10/2024</a:t>
+              <a:t>11/16/2024</a:t>
             </a:fld>
             <a:endParaRPr lang="en-US" dirty="0"/>
           </a:p>
@@ -1319,7 +1324,7 @@
             <a:fld id="{B61BEF0D-F0BB-DE4B-95CE-6DB70DBA9567}" type="datetimeFigureOut">
               <a:rPr lang="en-US" smtClean="0"/>
               <a:pPr/>
-              <a:t>11/10/2024</a:t>
+              <a:t>11/16/2024</a:t>
             </a:fld>
             <a:endParaRPr lang="en-US" dirty="0"/>
           </a:p>
@@ -1639,7 +1644,7 @@
             <a:fld id="{B61BEF0D-F0BB-DE4B-95CE-6DB70DBA9567}" type="datetimeFigureOut">
               <a:rPr lang="en-US" smtClean="0"/>
               <a:pPr/>
-              <a:t>11/10/2024</a:t>
+              <a:t>11/16/2024</a:t>
             </a:fld>
             <a:endParaRPr lang="en-US" dirty="0"/>
           </a:p>
@@ -1943,7 +1948,7 @@
             <a:fld id="{B61BEF0D-F0BB-DE4B-95CE-6DB70DBA9567}" type="datetimeFigureOut">
               <a:rPr lang="en-US" smtClean="0"/>
               <a:pPr/>
-              <a:t>11/10/2024</a:t>
+              <a:t>11/16/2024</a:t>
             </a:fld>
             <a:endParaRPr lang="en-US" dirty="0"/>
           </a:p>
@@ -2312,7 +2317,7 @@
             <a:fld id="{B61BEF0D-F0BB-DE4B-95CE-6DB70DBA9567}" type="datetimeFigureOut">
               <a:rPr lang="en-US" smtClean="0"/>
               <a:pPr/>
-              <a:t>11/10/2024</a:t>
+              <a:t>11/16/2024</a:t>
             </a:fld>
             <a:endParaRPr lang="en-US" dirty="0"/>
           </a:p>
@@ -2500,7 +2505,7 @@
             <a:fld id="{B61BEF0D-F0BB-DE4B-95CE-6DB70DBA9567}" type="datetimeFigureOut">
               <a:rPr lang="en-US" smtClean="0"/>
               <a:pPr/>
-              <a:t>11/10/2024</a:t>
+              <a:t>11/16/2024</a:t>
             </a:fld>
             <a:endParaRPr lang="en-US" dirty="0"/>
           </a:p>
@@ -2688,7 +2693,7 @@
             <a:fld id="{B61BEF0D-F0BB-DE4B-95CE-6DB70DBA9567}" type="datetimeFigureOut">
               <a:rPr lang="en-US" smtClean="0"/>
               <a:pPr/>
-              <a:t>11/10/2024</a:t>
+              <a:t>11/16/2024</a:t>
             </a:fld>
             <a:endParaRPr lang="en-US" dirty="0"/>
           </a:p>
@@ -2870,7 +2875,7 @@
             <a:fld id="{B61BEF0D-F0BB-DE4B-95CE-6DB70DBA9567}" type="datetimeFigureOut">
               <a:rPr lang="en-US" smtClean="0"/>
               <a:pPr/>
-              <a:t>11/10/2024</a:t>
+              <a:t>11/16/2024</a:t>
             </a:fld>
             <a:endParaRPr lang="en-US" dirty="0"/>
           </a:p>
@@ -3122,7 +3127,7 @@
             <a:fld id="{B61BEF0D-F0BB-DE4B-95CE-6DB70DBA9567}" type="datetimeFigureOut">
               <a:rPr lang="en-US" smtClean="0"/>
               <a:pPr/>
-              <a:t>11/10/2024</a:t>
+              <a:t>11/16/2024</a:t>
             </a:fld>
             <a:endParaRPr lang="en-US" dirty="0"/>
           </a:p>
@@ -3371,7 +3376,7 @@
             <a:fld id="{B61BEF0D-F0BB-DE4B-95CE-6DB70DBA9567}" type="datetimeFigureOut">
               <a:rPr lang="en-US" smtClean="0"/>
               <a:pPr/>
-              <a:t>11/10/2024</a:t>
+              <a:t>11/16/2024</a:t>
             </a:fld>
             <a:endParaRPr lang="en-US" dirty="0"/>
           </a:p>
@@ -3762,7 +3767,7 @@
             <a:fld id="{B61BEF0D-F0BB-DE4B-95CE-6DB70DBA9567}" type="datetimeFigureOut">
               <a:rPr lang="en-US" smtClean="0"/>
               <a:pPr/>
-              <a:t>11/10/2024</a:t>
+              <a:t>11/16/2024</a:t>
             </a:fld>
             <a:endParaRPr lang="en-US" dirty="0"/>
           </a:p>
@@ -3893,7 +3898,7 @@
             <a:fld id="{B61BEF0D-F0BB-DE4B-95CE-6DB70DBA9567}" type="datetimeFigureOut">
               <a:rPr lang="en-US" smtClean="0"/>
               <a:pPr/>
-              <a:t>11/10/2024</a:t>
+              <a:t>11/16/2024</a:t>
             </a:fld>
             <a:endParaRPr lang="en-US" dirty="0"/>
           </a:p>
@@ -3990,7 +3995,7 @@
             <a:fld id="{B61BEF0D-F0BB-DE4B-95CE-6DB70DBA9567}" type="datetimeFigureOut">
               <a:rPr lang="en-US" smtClean="0"/>
               <a:pPr/>
-              <a:t>11/10/2024</a:t>
+              <a:t>11/16/2024</a:t>
             </a:fld>
             <a:endParaRPr lang="en-US" dirty="0"/>
           </a:p>
@@ -4247,7 +4252,7 @@
             <a:fld id="{B61BEF0D-F0BB-DE4B-95CE-6DB70DBA9567}" type="datetimeFigureOut">
               <a:rPr lang="en-US" smtClean="0"/>
               <a:pPr/>
-              <a:t>11/10/2024</a:t>
+              <a:t>11/16/2024</a:t>
             </a:fld>
             <a:endParaRPr lang="en-US" dirty="0"/>
           </a:p>
@@ -4532,7 +4537,7 @@
             <a:fld id="{B61BEF0D-F0BB-DE4B-95CE-6DB70DBA9567}" type="datetimeFigureOut">
               <a:rPr lang="en-US" smtClean="0"/>
               <a:pPr/>
-              <a:t>11/10/2024</a:t>
+              <a:t>11/16/2024</a:t>
             </a:fld>
             <a:endParaRPr lang="en-US" dirty="0"/>
           </a:p>
@@ -4945,7 +4950,7 @@
             <a:fld id="{B61BEF0D-F0BB-DE4B-95CE-6DB70DBA9567}" type="datetimeFigureOut">
               <a:rPr lang="en-US" smtClean="0"/>
               <a:pPr/>
-              <a:t>11/10/2024</a:t>
+              <a:t>11/16/2024</a:t>
             </a:fld>
             <a:endParaRPr lang="en-US" dirty="0"/>
           </a:p>
@@ -5575,7 +5580,7 @@
                 <a:ea typeface="+mj-ea"/>
                 <a:cs typeface="+mj-cs"/>
               </a:rPr>
-              <a:t>X</a:t>
+              <a:t>6</a:t>
             </a:r>
             <a:r>
               <a:rPr lang="zh-CN" altLang="en-US" sz="3600" b="1" cap="all" dirty="0">
@@ -6226,7 +6231,7 @@
                 <a:ea typeface="微软雅黑 Light" panose="020B0502040204020203" pitchFamily="34" charset="-122"/>
                 <a:cs typeface="+mj-cs"/>
               </a:rPr>
-              <a:t>15</a:t>
+              <a:t>12</a:t>
             </a:r>
             <a:r>
               <a:rPr lang="zh-CN" altLang="en-US" sz="2200" cap="all" dirty="0">

--- a/活动/送书活动.pptx
+++ b/活动/送书活动.pptx
@@ -6231,7 +6231,7 @@
                 <a:ea typeface="微软雅黑 Light" panose="020B0502040204020203" pitchFamily="34" charset="-122"/>
                 <a:cs typeface="+mj-cs"/>
               </a:rPr>
-              <a:t>12</a:t>
+              <a:t>22</a:t>
             </a:r>
             <a:r>
               <a:rPr lang="zh-CN" altLang="en-US" sz="2200" cap="all" dirty="0">

--- a/活动/送书活动.pptx
+++ b/活动/送书活动.pptx
@@ -6,6 +6,8 @@
   </p:sldMasterIdLst>
   <p:sldIdLst>
     <p:sldId id="256" r:id="rId2"/>
+    <p:sldId id="257" r:id="rId3"/>
+    <p:sldId id="258" r:id="rId4"/>
   </p:sldIdLst>
   <p:sldSz cx="6858000" cy="12192000"/>
   <p:notesSz cx="6858000" cy="9144000"/>
@@ -105,6 +107,21 @@
     </a:lvl9pPr>
   </p:defaultTextStyle>
   <p:extLst>
+    <p:ext uri="{521415D9-36F7-43E2-AB2F-B90AF26B5E84}">
+      <p14:sectionLst xmlns:p14="http://schemas.microsoft.com/office/powerpoint/2010/main">
+        <p14:section name="2024年11月16日" id="{36B81786-E420-430B-A5E0-4877B46D31D5}">
+          <p14:sldIdLst>
+            <p14:sldId id="256"/>
+          </p14:sldIdLst>
+        </p14:section>
+        <p14:section name="2024年11月20日" id="{82CA51D4-B4C7-4A40-94DD-62891AF9D72A}">
+          <p14:sldIdLst>
+            <p14:sldId id="257"/>
+            <p14:sldId id="258"/>
+          </p14:sldIdLst>
+        </p14:section>
+      </p14:sectionLst>
+    </p:ext>
     <p:ext uri="{EFAFB233-063F-42B5-8137-9DF3F51BA10A}">
       <p15:sldGuideLst xmlns:p15="http://schemas.microsoft.com/office/powerpoint/2012/main"/>
     </p:ext>
@@ -494,7 +511,7 @@
             <a:fld id="{B61BEF0D-F0BB-DE4B-95CE-6DB70DBA9567}" type="datetimeFigureOut">
               <a:rPr lang="en-US" smtClean="0"/>
               <a:pPr/>
-              <a:t>11/16/2024</a:t>
+              <a:t>11/20/2024</a:t>
             </a:fld>
             <a:endParaRPr lang="en-US" dirty="0"/>
           </a:p>
@@ -762,7 +779,7 @@
             <a:fld id="{B61BEF0D-F0BB-DE4B-95CE-6DB70DBA9567}" type="datetimeFigureOut">
               <a:rPr lang="en-US" smtClean="0"/>
               <a:pPr/>
-              <a:t>11/16/2024</a:t>
+              <a:t>11/20/2024</a:t>
             </a:fld>
             <a:endParaRPr lang="en-US" dirty="0"/>
           </a:p>
@@ -1014,7 +1031,7 @@
             <a:fld id="{B61BEF0D-F0BB-DE4B-95CE-6DB70DBA9567}" type="datetimeFigureOut">
               <a:rPr lang="en-US" smtClean="0"/>
               <a:pPr/>
-              <a:t>11/16/2024</a:t>
+              <a:t>11/20/2024</a:t>
             </a:fld>
             <a:endParaRPr lang="en-US" dirty="0"/>
           </a:p>
@@ -1324,7 +1341,7 @@
             <a:fld id="{B61BEF0D-F0BB-DE4B-95CE-6DB70DBA9567}" type="datetimeFigureOut">
               <a:rPr lang="en-US" smtClean="0"/>
               <a:pPr/>
-              <a:t>11/16/2024</a:t>
+              <a:t>11/20/2024</a:t>
             </a:fld>
             <a:endParaRPr lang="en-US" dirty="0"/>
           </a:p>
@@ -1644,7 +1661,7 @@
             <a:fld id="{B61BEF0D-F0BB-DE4B-95CE-6DB70DBA9567}" type="datetimeFigureOut">
               <a:rPr lang="en-US" smtClean="0"/>
               <a:pPr/>
-              <a:t>11/16/2024</a:t>
+              <a:t>11/20/2024</a:t>
             </a:fld>
             <a:endParaRPr lang="en-US" dirty="0"/>
           </a:p>
@@ -1948,7 +1965,7 @@
             <a:fld id="{B61BEF0D-F0BB-DE4B-95CE-6DB70DBA9567}" type="datetimeFigureOut">
               <a:rPr lang="en-US" smtClean="0"/>
               <a:pPr/>
-              <a:t>11/16/2024</a:t>
+              <a:t>11/20/2024</a:t>
             </a:fld>
             <a:endParaRPr lang="en-US" dirty="0"/>
           </a:p>
@@ -2317,7 +2334,7 @@
             <a:fld id="{B61BEF0D-F0BB-DE4B-95CE-6DB70DBA9567}" type="datetimeFigureOut">
               <a:rPr lang="en-US" smtClean="0"/>
               <a:pPr/>
-              <a:t>11/16/2024</a:t>
+              <a:t>11/20/2024</a:t>
             </a:fld>
             <a:endParaRPr lang="en-US" dirty="0"/>
           </a:p>
@@ -2505,7 +2522,7 @@
             <a:fld id="{B61BEF0D-F0BB-DE4B-95CE-6DB70DBA9567}" type="datetimeFigureOut">
               <a:rPr lang="en-US" smtClean="0"/>
               <a:pPr/>
-              <a:t>11/16/2024</a:t>
+              <a:t>11/20/2024</a:t>
             </a:fld>
             <a:endParaRPr lang="en-US" dirty="0"/>
           </a:p>
@@ -2693,7 +2710,7 @@
             <a:fld id="{B61BEF0D-F0BB-DE4B-95CE-6DB70DBA9567}" type="datetimeFigureOut">
               <a:rPr lang="en-US" smtClean="0"/>
               <a:pPr/>
-              <a:t>11/16/2024</a:t>
+              <a:t>11/20/2024</a:t>
             </a:fld>
             <a:endParaRPr lang="en-US" dirty="0"/>
           </a:p>
@@ -2875,7 +2892,7 @@
             <a:fld id="{B61BEF0D-F0BB-DE4B-95CE-6DB70DBA9567}" type="datetimeFigureOut">
               <a:rPr lang="en-US" smtClean="0"/>
               <a:pPr/>
-              <a:t>11/16/2024</a:t>
+              <a:t>11/20/2024</a:t>
             </a:fld>
             <a:endParaRPr lang="en-US" dirty="0"/>
           </a:p>
@@ -3127,7 +3144,7 @@
             <a:fld id="{B61BEF0D-F0BB-DE4B-95CE-6DB70DBA9567}" type="datetimeFigureOut">
               <a:rPr lang="en-US" smtClean="0"/>
               <a:pPr/>
-              <a:t>11/16/2024</a:t>
+              <a:t>11/20/2024</a:t>
             </a:fld>
             <a:endParaRPr lang="en-US" dirty="0"/>
           </a:p>
@@ -3376,7 +3393,7 @@
             <a:fld id="{B61BEF0D-F0BB-DE4B-95CE-6DB70DBA9567}" type="datetimeFigureOut">
               <a:rPr lang="en-US" smtClean="0"/>
               <a:pPr/>
-              <a:t>11/16/2024</a:t>
+              <a:t>11/20/2024</a:t>
             </a:fld>
             <a:endParaRPr lang="en-US" dirty="0"/>
           </a:p>
@@ -3767,7 +3784,7 @@
             <a:fld id="{B61BEF0D-F0BB-DE4B-95CE-6DB70DBA9567}" type="datetimeFigureOut">
               <a:rPr lang="en-US" smtClean="0"/>
               <a:pPr/>
-              <a:t>11/16/2024</a:t>
+              <a:t>11/20/2024</a:t>
             </a:fld>
             <a:endParaRPr lang="en-US" dirty="0"/>
           </a:p>
@@ -3898,7 +3915,7 @@
             <a:fld id="{B61BEF0D-F0BB-DE4B-95CE-6DB70DBA9567}" type="datetimeFigureOut">
               <a:rPr lang="en-US" smtClean="0"/>
               <a:pPr/>
-              <a:t>11/16/2024</a:t>
+              <a:t>11/20/2024</a:t>
             </a:fld>
             <a:endParaRPr lang="en-US" dirty="0"/>
           </a:p>
@@ -3995,7 +4012,7 @@
             <a:fld id="{B61BEF0D-F0BB-DE4B-95CE-6DB70DBA9567}" type="datetimeFigureOut">
               <a:rPr lang="en-US" smtClean="0"/>
               <a:pPr/>
-              <a:t>11/16/2024</a:t>
+              <a:t>11/20/2024</a:t>
             </a:fld>
             <a:endParaRPr lang="en-US" dirty="0"/>
           </a:p>
@@ -4252,7 +4269,7 @@
             <a:fld id="{B61BEF0D-F0BB-DE4B-95CE-6DB70DBA9567}" type="datetimeFigureOut">
               <a:rPr lang="en-US" smtClean="0"/>
               <a:pPr/>
-              <a:t>11/16/2024</a:t>
+              <a:t>11/20/2024</a:t>
             </a:fld>
             <a:endParaRPr lang="en-US" dirty="0"/>
           </a:p>
@@ -4537,7 +4554,7 @@
             <a:fld id="{B61BEF0D-F0BB-DE4B-95CE-6DB70DBA9567}" type="datetimeFigureOut">
               <a:rPr lang="en-US" smtClean="0"/>
               <a:pPr/>
-              <a:t>11/16/2024</a:t>
+              <a:t>11/20/2024</a:t>
             </a:fld>
             <a:endParaRPr lang="en-US" dirty="0"/>
           </a:p>
@@ -4950,7 +4967,7 @@
             <a:fld id="{B61BEF0D-F0BB-DE4B-95CE-6DB70DBA9567}" type="datetimeFigureOut">
               <a:rPr lang="en-US" smtClean="0"/>
               <a:pPr/>
-              <a:t>11/16/2024</a:t>
+              <a:t>11/20/2024</a:t>
             </a:fld>
             <a:endParaRPr lang="en-US" dirty="0"/>
           </a:p>
@@ -6411,6 +6428,917 @@
 </p:sld>
 </file>
 
+<file path=ppt/slides/slide2.xml><?xml version="1.0" encoding="utf-8"?>
+<p:sld xmlns:a="http://schemas.openxmlformats.org/drawingml/2006/main" xmlns:r="http://schemas.openxmlformats.org/officeDocument/2006/relationships" xmlns:p="http://schemas.openxmlformats.org/presentationml/2006/main">
+  <p:cSld>
+    <p:spTree>
+      <p:nvGrpSpPr>
+        <p:cNvPr id="1" name="">
+          <a:extLst>
+            <a:ext uri="{FF2B5EF4-FFF2-40B4-BE49-F238E27FC236}">
+              <a16:creationId xmlns:a16="http://schemas.microsoft.com/office/drawing/2014/main" id="{9CCFC633-D461-02A4-18FB-766BF37CA20E}"/>
+            </a:ext>
+          </a:extLst>
+        </p:cNvPr>
+        <p:cNvGrpSpPr/>
+        <p:nvPr/>
+      </p:nvGrpSpPr>
+      <p:grpSpPr>
+        <a:xfrm>
+          <a:off x="0" y="0"/>
+          <a:ext cx="0" cy="0"/>
+          <a:chOff x="0" y="0"/>
+          <a:chExt cx="0" cy="0"/>
+        </a:xfrm>
+      </p:grpSpPr>
+      <p:sp>
+        <p:nvSpPr>
+          <p:cNvPr id="2" name="标题 1">
+            <a:extLst>
+              <a:ext uri="{FF2B5EF4-FFF2-40B4-BE49-F238E27FC236}">
+                <a16:creationId xmlns:a16="http://schemas.microsoft.com/office/drawing/2014/main" id="{425C5D52-C60F-77B3-5D53-CA6269DCBC8B}"/>
+              </a:ext>
+            </a:extLst>
+          </p:cNvPr>
+          <p:cNvSpPr>
+            <a:spLocks noGrp="1"/>
+          </p:cNvSpPr>
+          <p:nvPr>
+            <p:ph type="ctrTitle"/>
+          </p:nvPr>
+        </p:nvSpPr>
+        <p:spPr>
+          <a:xfrm>
+            <a:off x="184785" y="176108"/>
+            <a:ext cx="6488430" cy="5554135"/>
+          </a:xfrm>
+        </p:spPr>
+        <p:txBody>
+          <a:bodyPr anchor="ctr"/>
+          <a:lstStyle/>
+          <a:p>
+            <a:pPr algn="ctr"/>
+            <a:r>
+              <a:rPr lang="zh-CN" altLang="en-US" dirty="0"/>
+              <a:t>书封面</a:t>
+            </a:r>
+          </a:p>
+        </p:txBody>
+      </p:sp>
+      <p:sp>
+        <p:nvSpPr>
+          <p:cNvPr id="3" name="副标题 2">
+            <a:extLst>
+              <a:ext uri="{FF2B5EF4-FFF2-40B4-BE49-F238E27FC236}">
+                <a16:creationId xmlns:a16="http://schemas.microsoft.com/office/drawing/2014/main" id="{3D9E6570-79B9-F759-7363-3A8DA78D74A3}"/>
+              </a:ext>
+            </a:extLst>
+          </p:cNvPr>
+          <p:cNvSpPr>
+            <a:spLocks noGrp="1"/>
+          </p:cNvSpPr>
+          <p:nvPr>
+            <p:ph type="subTitle" idx="1"/>
+          </p:nvPr>
+        </p:nvSpPr>
+        <p:spPr>
+          <a:xfrm>
+            <a:off x="-3" y="7179734"/>
+            <a:ext cx="6858003" cy="690880"/>
+          </a:xfrm>
+          <a:gradFill flip="none" rotWithShape="1">
+            <a:gsLst>
+              <a:gs pos="0">
+                <a:schemeClr val="accent5">
+                  <a:lumMod val="20000"/>
+                  <a:lumOff val="80000"/>
+                  <a:shade val="30000"/>
+                  <a:satMod val="115000"/>
+                </a:schemeClr>
+              </a:gs>
+              <a:gs pos="50000">
+                <a:schemeClr val="accent5">
+                  <a:lumMod val="20000"/>
+                  <a:lumOff val="80000"/>
+                  <a:shade val="67500"/>
+                  <a:satMod val="115000"/>
+                </a:schemeClr>
+              </a:gs>
+              <a:gs pos="100000">
+                <a:schemeClr val="accent5">
+                  <a:lumMod val="20000"/>
+                  <a:lumOff val="80000"/>
+                  <a:shade val="100000"/>
+                  <a:satMod val="115000"/>
+                </a:schemeClr>
+              </a:gs>
+            </a:gsLst>
+            <a:lin ang="16200000" scaled="1"/>
+            <a:tileRect/>
+          </a:gradFill>
+          <a:effectLst/>
+        </p:spPr>
+        <p:txBody>
+          <a:bodyPr vert="horz" lIns="91440" tIns="45720" rIns="91440" bIns="45720" rtlCol="0" anchor="ctr">
+            <a:normAutofit/>
+          </a:bodyPr>
+          <a:lstStyle/>
+          <a:p>
+            <a:pPr algn="ctr">
+              <a:spcBef>
+                <a:spcPct val="0"/>
+              </a:spcBef>
+            </a:pPr>
+            <a:r>
+              <a:rPr lang="zh-CN" altLang="en-US" sz="3600" b="1" cap="all" dirty="0">
+                <a:ln w="3175" cmpd="sng">
+                  <a:noFill/>
+                </a:ln>
+                <a:solidFill>
+                  <a:srgbClr val="C00000"/>
+                </a:solidFill>
+                <a:latin typeface="+mj-lt"/>
+                <a:ea typeface="+mj-ea"/>
+                <a:cs typeface="+mj-cs"/>
+              </a:rPr>
+              <a:t>第</a:t>
+            </a:r>
+            <a:r>
+              <a:rPr lang="en-US" altLang="zh-CN" sz="3600" b="1" cap="all" dirty="0">
+                <a:ln w="3175" cmpd="sng">
+                  <a:noFill/>
+                </a:ln>
+                <a:solidFill>
+                  <a:srgbClr val="C00000"/>
+                </a:solidFill>
+                <a:latin typeface="+mj-lt"/>
+                <a:ea typeface="+mj-ea"/>
+                <a:cs typeface="+mj-cs"/>
+              </a:rPr>
+              <a:t>7</a:t>
+            </a:r>
+            <a:r>
+              <a:rPr lang="zh-CN" altLang="en-US" sz="3600" b="1" cap="all" dirty="0">
+                <a:ln w="3175" cmpd="sng">
+                  <a:noFill/>
+                </a:ln>
+                <a:solidFill>
+                  <a:srgbClr val="C00000"/>
+                </a:solidFill>
+                <a:latin typeface="+mj-lt"/>
+                <a:ea typeface="+mj-ea"/>
+                <a:cs typeface="+mj-cs"/>
+              </a:rPr>
+              <a:t>次免费包邮送书活动</a:t>
+            </a:r>
+          </a:p>
+        </p:txBody>
+      </p:sp>
+      <p:sp>
+        <p:nvSpPr>
+          <p:cNvPr id="5" name="副标题 2">
+            <a:extLst>
+              <a:ext uri="{FF2B5EF4-FFF2-40B4-BE49-F238E27FC236}">
+                <a16:creationId xmlns:a16="http://schemas.microsoft.com/office/drawing/2014/main" id="{DB015B81-EC26-38A4-C962-AD503BC7D1E2}"/>
+              </a:ext>
+            </a:extLst>
+          </p:cNvPr>
+          <p:cNvSpPr txBox="1">
+            <a:spLocks/>
+          </p:cNvSpPr>
+          <p:nvPr/>
+        </p:nvSpPr>
+        <p:spPr>
+          <a:xfrm>
+            <a:off x="184783" y="8016240"/>
+            <a:ext cx="6488429" cy="3230880"/>
+          </a:xfrm>
+          <a:prstGeom prst="rect">
+            <a:avLst/>
+          </a:prstGeom>
+          <a:solidFill>
+            <a:schemeClr val="accent1">
+              <a:lumMod val="50000"/>
+            </a:schemeClr>
+          </a:solidFill>
+          <a:effectLst/>
+        </p:spPr>
+        <p:txBody>
+          <a:bodyPr vert="horz" lIns="91440" tIns="45720" rIns="91440" bIns="45720" rtlCol="0" anchor="t">
+            <a:noAutofit/>
+          </a:bodyPr>
+          <a:lstStyle>
+            <a:lvl1pPr marL="0" indent="0" algn="l" defTabSz="342900" rtl="0" eaLnBrk="1" latinLnBrk="0" hangingPunct="1">
+              <a:spcBef>
+                <a:spcPct val="20000"/>
+              </a:spcBef>
+              <a:spcAft>
+                <a:spcPts val="450"/>
+              </a:spcAft>
+              <a:buClr>
+                <a:schemeClr val="tx1"/>
+              </a:buClr>
+              <a:buSzPct val="80000"/>
+              <a:buFont typeface="Wingdings 3" panose="05040102010807070707" pitchFamily="18" charset="2"/>
+              <a:buNone/>
+              <a:defRPr sz="1500" kern="1200" cap="none">
+                <a:solidFill>
+                  <a:schemeClr val="bg2">
+                    <a:lumMod val="75000"/>
+                  </a:schemeClr>
+                </a:solidFill>
+                <a:effectLst/>
+                <a:latin typeface="+mn-lt"/>
+                <a:ea typeface="+mn-ea"/>
+                <a:cs typeface="+mn-cs"/>
+              </a:defRPr>
+            </a:lvl1pPr>
+            <a:lvl2pPr marL="342900" indent="0" algn="ctr" defTabSz="342900" rtl="0" eaLnBrk="1" latinLnBrk="0" hangingPunct="1">
+              <a:spcBef>
+                <a:spcPct val="20000"/>
+              </a:spcBef>
+              <a:spcAft>
+                <a:spcPts val="450"/>
+              </a:spcAft>
+              <a:buClr>
+                <a:schemeClr val="tx1"/>
+              </a:buClr>
+              <a:buSzPct val="80000"/>
+              <a:buFont typeface="Wingdings 3" panose="05040102010807070707" pitchFamily="18" charset="2"/>
+              <a:buNone/>
+              <a:defRPr sz="1350" kern="1200" cap="none">
+                <a:solidFill>
+                  <a:schemeClr val="tx1">
+                    <a:tint val="75000"/>
+                  </a:schemeClr>
+                </a:solidFill>
+                <a:effectLst/>
+                <a:latin typeface="+mn-lt"/>
+                <a:ea typeface="+mn-ea"/>
+                <a:cs typeface="+mn-cs"/>
+              </a:defRPr>
+            </a:lvl2pPr>
+            <a:lvl3pPr marL="685800" indent="0" algn="ctr" defTabSz="342900" rtl="0" eaLnBrk="1" latinLnBrk="0" hangingPunct="1">
+              <a:spcBef>
+                <a:spcPct val="20000"/>
+              </a:spcBef>
+              <a:spcAft>
+                <a:spcPts val="450"/>
+              </a:spcAft>
+              <a:buClr>
+                <a:schemeClr val="tx1"/>
+              </a:buClr>
+              <a:buSzPct val="80000"/>
+              <a:buFont typeface="Wingdings 3" panose="05040102010807070707" pitchFamily="18" charset="2"/>
+              <a:buNone/>
+              <a:defRPr sz="1200" kern="1200" cap="none">
+                <a:solidFill>
+                  <a:schemeClr val="tx1">
+                    <a:tint val="75000"/>
+                  </a:schemeClr>
+                </a:solidFill>
+                <a:effectLst/>
+                <a:latin typeface="+mn-lt"/>
+                <a:ea typeface="+mn-ea"/>
+                <a:cs typeface="+mn-cs"/>
+              </a:defRPr>
+            </a:lvl3pPr>
+            <a:lvl4pPr marL="1028700" indent="0" algn="ctr" defTabSz="342900" rtl="0" eaLnBrk="1" latinLnBrk="0" hangingPunct="1">
+              <a:spcBef>
+                <a:spcPct val="20000"/>
+              </a:spcBef>
+              <a:spcAft>
+                <a:spcPts val="450"/>
+              </a:spcAft>
+              <a:buClr>
+                <a:schemeClr val="tx1"/>
+              </a:buClr>
+              <a:buSzPct val="80000"/>
+              <a:buFont typeface="Wingdings 3" panose="05040102010807070707" pitchFamily="18" charset="2"/>
+              <a:buNone/>
+              <a:defRPr sz="1050" kern="1200" cap="none">
+                <a:solidFill>
+                  <a:schemeClr val="tx1">
+                    <a:tint val="75000"/>
+                  </a:schemeClr>
+                </a:solidFill>
+                <a:effectLst/>
+                <a:latin typeface="+mn-lt"/>
+                <a:ea typeface="+mn-ea"/>
+                <a:cs typeface="+mn-cs"/>
+              </a:defRPr>
+            </a:lvl4pPr>
+            <a:lvl5pPr marL="1371600" indent="0" algn="ctr" defTabSz="342900" rtl="0" eaLnBrk="1" latinLnBrk="0" hangingPunct="1">
+              <a:spcBef>
+                <a:spcPct val="20000"/>
+              </a:spcBef>
+              <a:spcAft>
+                <a:spcPts val="450"/>
+              </a:spcAft>
+              <a:buClr>
+                <a:schemeClr val="tx1"/>
+              </a:buClr>
+              <a:buSzPct val="80000"/>
+              <a:buFont typeface="Wingdings 3" panose="05040102010807070707" pitchFamily="18" charset="2"/>
+              <a:buNone/>
+              <a:defRPr sz="1050" kern="1200" cap="none">
+                <a:solidFill>
+                  <a:schemeClr val="tx1">
+                    <a:tint val="75000"/>
+                  </a:schemeClr>
+                </a:solidFill>
+                <a:effectLst/>
+                <a:latin typeface="+mn-lt"/>
+                <a:ea typeface="+mn-ea"/>
+                <a:cs typeface="+mn-cs"/>
+              </a:defRPr>
+            </a:lvl5pPr>
+            <a:lvl6pPr marL="1714500" indent="0" algn="ctr" defTabSz="342900" rtl="0" eaLnBrk="1" latinLnBrk="0" hangingPunct="1">
+              <a:spcBef>
+                <a:spcPct val="20000"/>
+              </a:spcBef>
+              <a:spcAft>
+                <a:spcPts val="450"/>
+              </a:spcAft>
+              <a:buClr>
+                <a:schemeClr val="tx1"/>
+              </a:buClr>
+              <a:buSzPct val="80000"/>
+              <a:buFont typeface="Wingdings 3" panose="05040102010807070707" pitchFamily="18" charset="2"/>
+              <a:buNone/>
+              <a:defRPr sz="1050" kern="1200" cap="none">
+                <a:solidFill>
+                  <a:schemeClr val="tx1">
+                    <a:tint val="75000"/>
+                  </a:schemeClr>
+                </a:solidFill>
+                <a:effectLst/>
+                <a:latin typeface="+mn-lt"/>
+                <a:ea typeface="+mn-ea"/>
+                <a:cs typeface="+mn-cs"/>
+              </a:defRPr>
+            </a:lvl6pPr>
+            <a:lvl7pPr marL="2057400" indent="0" algn="ctr" defTabSz="342900" rtl="0" eaLnBrk="1" latinLnBrk="0" hangingPunct="1">
+              <a:spcBef>
+                <a:spcPct val="20000"/>
+              </a:spcBef>
+              <a:spcAft>
+                <a:spcPts val="450"/>
+              </a:spcAft>
+              <a:buClr>
+                <a:schemeClr val="tx1"/>
+              </a:buClr>
+              <a:buSzPct val="80000"/>
+              <a:buFont typeface="Wingdings 3" panose="05040102010807070707" pitchFamily="18" charset="2"/>
+              <a:buNone/>
+              <a:defRPr sz="1050" kern="1200" cap="none">
+                <a:solidFill>
+                  <a:schemeClr val="tx1">
+                    <a:tint val="75000"/>
+                  </a:schemeClr>
+                </a:solidFill>
+                <a:effectLst/>
+                <a:latin typeface="+mn-lt"/>
+                <a:ea typeface="+mn-ea"/>
+                <a:cs typeface="+mn-cs"/>
+              </a:defRPr>
+            </a:lvl7pPr>
+            <a:lvl8pPr marL="2400300" indent="0" algn="ctr" defTabSz="342900" rtl="0" eaLnBrk="1" latinLnBrk="0" hangingPunct="1">
+              <a:spcBef>
+                <a:spcPct val="20000"/>
+              </a:spcBef>
+              <a:spcAft>
+                <a:spcPts val="450"/>
+              </a:spcAft>
+              <a:buClr>
+                <a:schemeClr val="tx1"/>
+              </a:buClr>
+              <a:buSzPct val="80000"/>
+              <a:buFont typeface="Wingdings 3" panose="05040102010807070707" pitchFamily="18" charset="2"/>
+              <a:buNone/>
+              <a:defRPr sz="1050" kern="1200" cap="none">
+                <a:solidFill>
+                  <a:schemeClr val="tx1">
+                    <a:tint val="75000"/>
+                  </a:schemeClr>
+                </a:solidFill>
+                <a:effectLst/>
+                <a:latin typeface="+mn-lt"/>
+                <a:ea typeface="+mn-ea"/>
+                <a:cs typeface="+mn-cs"/>
+              </a:defRPr>
+            </a:lvl8pPr>
+            <a:lvl9pPr marL="2743200" indent="0" algn="ctr" defTabSz="342900" rtl="0" eaLnBrk="1" latinLnBrk="0" hangingPunct="1">
+              <a:spcBef>
+                <a:spcPct val="20000"/>
+              </a:spcBef>
+              <a:spcAft>
+                <a:spcPts val="450"/>
+              </a:spcAft>
+              <a:buClr>
+                <a:schemeClr val="tx1"/>
+              </a:buClr>
+              <a:buSzPct val="80000"/>
+              <a:buFont typeface="Wingdings 3" panose="05040102010807070707" pitchFamily="18" charset="2"/>
+              <a:buNone/>
+              <a:defRPr sz="1050" kern="1200" cap="none">
+                <a:solidFill>
+                  <a:schemeClr val="tx1">
+                    <a:tint val="75000"/>
+                  </a:schemeClr>
+                </a:solidFill>
+                <a:effectLst/>
+                <a:latin typeface="+mn-lt"/>
+                <a:ea typeface="+mn-ea"/>
+                <a:cs typeface="+mn-cs"/>
+              </a:defRPr>
+            </a:lvl9pPr>
+          </a:lstStyle>
+          <a:p>
+            <a:pPr>
+              <a:lnSpc>
+                <a:spcPct val="150000"/>
+              </a:lnSpc>
+              <a:spcBef>
+                <a:spcPct val="0"/>
+              </a:spcBef>
+            </a:pPr>
+            <a:r>
+              <a:rPr lang="en-US" altLang="zh-CN" sz="2200" cap="all" dirty="0">
+                <a:ln w="3175" cmpd="sng">
+                  <a:noFill/>
+                </a:ln>
+                <a:solidFill>
+                  <a:srgbClr val="FFFF00"/>
+                </a:solidFill>
+                <a:latin typeface="微软雅黑 Light" panose="020B0502040204020203" pitchFamily="34" charset="-122"/>
+                <a:ea typeface="微软雅黑 Light" panose="020B0502040204020203" pitchFamily="34" charset="-122"/>
+                <a:cs typeface="+mj-cs"/>
+              </a:rPr>
+              <a:t>1. </a:t>
+            </a:r>
+            <a:r>
+              <a:rPr lang="zh-CN" altLang="en-US" sz="2200" cap="all" dirty="0">
+                <a:ln w="3175" cmpd="sng">
+                  <a:noFill/>
+                </a:ln>
+                <a:solidFill>
+                  <a:srgbClr val="FFFF00"/>
+                </a:solidFill>
+                <a:latin typeface="微软雅黑 Light" panose="020B0502040204020203" pitchFamily="34" charset="-122"/>
+                <a:ea typeface="微软雅黑 Light" panose="020B0502040204020203" pitchFamily="34" charset="-122"/>
+                <a:cs typeface="+mj-cs"/>
+              </a:rPr>
+              <a:t>关注 </a:t>
+            </a:r>
+            <a:r>
+              <a:rPr lang="zh-CN" altLang="en-US" sz="2200" cap="all" dirty="0">
+                <a:ln w="3175" cmpd="sng">
+                  <a:noFill/>
+                </a:ln>
+                <a:solidFill>
+                  <a:schemeClr val="accent2"/>
+                </a:solidFill>
+                <a:latin typeface="微软雅黑 Light" panose="020B0502040204020203" pitchFamily="34" charset="-122"/>
+                <a:ea typeface="微软雅黑 Light" panose="020B0502040204020203" pitchFamily="34" charset="-122"/>
+                <a:cs typeface="+mj-cs"/>
+              </a:rPr>
+              <a:t>老牛同学</a:t>
+            </a:r>
+            <a:r>
+              <a:rPr lang="zh-CN" altLang="en-US" sz="2200" cap="all" dirty="0">
+                <a:ln w="3175" cmpd="sng">
+                  <a:noFill/>
+                </a:ln>
+                <a:solidFill>
+                  <a:srgbClr val="FFFF00"/>
+                </a:solidFill>
+                <a:latin typeface="微软雅黑 Light" panose="020B0502040204020203" pitchFamily="34" charset="-122"/>
+                <a:ea typeface="微软雅黑 Light" panose="020B0502040204020203" pitchFamily="34" charset="-122"/>
+                <a:cs typeface="+mj-cs"/>
+              </a:rPr>
+              <a:t> 微信公众号（关注者的专属福利）</a:t>
+            </a:r>
+          </a:p>
+          <a:p>
+            <a:pPr>
+              <a:lnSpc>
+                <a:spcPct val="150000"/>
+              </a:lnSpc>
+              <a:spcBef>
+                <a:spcPct val="0"/>
+              </a:spcBef>
+            </a:pPr>
+            <a:r>
+              <a:rPr lang="en-US" altLang="zh-CN" sz="2200" cap="all" dirty="0">
+                <a:ln w="3175" cmpd="sng">
+                  <a:noFill/>
+                </a:ln>
+                <a:solidFill>
+                  <a:srgbClr val="FFFF00"/>
+                </a:solidFill>
+                <a:latin typeface="微软雅黑 Light" panose="020B0502040204020203" pitchFamily="34" charset="-122"/>
+                <a:ea typeface="微软雅黑 Light" panose="020B0502040204020203" pitchFamily="34" charset="-122"/>
+                <a:cs typeface="+mj-cs"/>
+              </a:rPr>
+              <a:t>2. </a:t>
+            </a:r>
+            <a:r>
+              <a:rPr lang="zh-CN" altLang="en-US" sz="2200" cap="all" dirty="0">
+                <a:ln w="3175" cmpd="sng">
+                  <a:noFill/>
+                </a:ln>
+                <a:solidFill>
+                  <a:srgbClr val="FFFF00"/>
+                </a:solidFill>
+                <a:latin typeface="微软雅黑 Light" panose="020B0502040204020203" pitchFamily="34" charset="-122"/>
+                <a:ea typeface="微软雅黑 Light" panose="020B0502040204020203" pitchFamily="34" charset="-122"/>
+                <a:cs typeface="+mj-cs"/>
+              </a:rPr>
+              <a:t>在本文评论区</a:t>
+            </a:r>
+            <a:r>
+              <a:rPr lang="zh-CN" altLang="en-US" sz="2200" cap="all" dirty="0">
+                <a:ln w="3175" cmpd="sng">
+                  <a:noFill/>
+                </a:ln>
+                <a:solidFill>
+                  <a:schemeClr val="accent2"/>
+                </a:solidFill>
+                <a:latin typeface="微软雅黑 Light" panose="020B0502040204020203" pitchFamily="34" charset="-122"/>
+                <a:ea typeface="微软雅黑 Light" panose="020B0502040204020203" pitchFamily="34" charset="-122"/>
+                <a:cs typeface="+mj-cs"/>
+              </a:rPr>
+              <a:t>留言</a:t>
+            </a:r>
+            <a:r>
+              <a:rPr lang="zh-CN" altLang="en-US" sz="2200" cap="all" dirty="0">
+                <a:ln w="3175" cmpd="sng">
+                  <a:noFill/>
+                </a:ln>
+                <a:solidFill>
+                  <a:srgbClr val="FFFF00"/>
+                </a:solidFill>
+                <a:latin typeface="微软雅黑 Light" panose="020B0502040204020203" pitchFamily="34" charset="-122"/>
+                <a:ea typeface="微软雅黑 Light" panose="020B0502040204020203" pitchFamily="34" charset="-122"/>
+                <a:cs typeface="+mj-cs"/>
+              </a:rPr>
+              <a:t>，留言的点赞数</a:t>
+            </a:r>
+            <a:r>
+              <a:rPr lang="zh-CN" altLang="en-US" sz="2200" cap="all" dirty="0">
+                <a:ln w="3175" cmpd="sng">
+                  <a:noFill/>
+                </a:ln>
+                <a:solidFill>
+                  <a:schemeClr val="accent2"/>
+                </a:solidFill>
+                <a:latin typeface="微软雅黑 Light" panose="020B0502040204020203" pitchFamily="34" charset="-122"/>
+                <a:ea typeface="微软雅黑 Light" panose="020B0502040204020203" pitchFamily="34" charset="-122"/>
+                <a:cs typeface="+mj-cs"/>
+              </a:rPr>
+              <a:t>前</a:t>
+            </a:r>
+            <a:r>
+              <a:rPr lang="en-US" altLang="zh-CN" sz="2200" cap="all" dirty="0">
+                <a:ln w="3175" cmpd="sng">
+                  <a:noFill/>
+                </a:ln>
+                <a:solidFill>
+                  <a:schemeClr val="accent2"/>
+                </a:solidFill>
+                <a:latin typeface="微软雅黑 Light" panose="020B0502040204020203" pitchFamily="34" charset="-122"/>
+                <a:ea typeface="微软雅黑 Light" panose="020B0502040204020203" pitchFamily="34" charset="-122"/>
+                <a:cs typeface="+mj-cs"/>
+              </a:rPr>
+              <a:t>3</a:t>
+            </a:r>
+            <a:r>
+              <a:rPr lang="zh-CN" altLang="en-US" sz="2200" cap="all" dirty="0">
+                <a:ln w="3175" cmpd="sng">
+                  <a:noFill/>
+                </a:ln>
+                <a:solidFill>
+                  <a:schemeClr val="accent2"/>
+                </a:solidFill>
+                <a:latin typeface="微软雅黑 Light" panose="020B0502040204020203" pitchFamily="34" charset="-122"/>
+                <a:ea typeface="微软雅黑 Light" panose="020B0502040204020203" pitchFamily="34" charset="-122"/>
+                <a:cs typeface="+mj-cs"/>
+              </a:rPr>
+              <a:t>名</a:t>
+            </a:r>
+            <a:r>
+              <a:rPr lang="zh-CN" altLang="en-US" sz="2200" cap="all" dirty="0">
+                <a:ln w="3175" cmpd="sng">
+                  <a:noFill/>
+                </a:ln>
+                <a:solidFill>
+                  <a:srgbClr val="FFFF00"/>
+                </a:solidFill>
+                <a:latin typeface="微软雅黑 Light" panose="020B0502040204020203" pitchFamily="34" charset="-122"/>
+                <a:ea typeface="微软雅黑 Light" panose="020B0502040204020203" pitchFamily="34" charset="-122"/>
+                <a:cs typeface="+mj-cs"/>
+              </a:rPr>
+              <a:t>的关注者；</a:t>
+            </a:r>
+            <a:r>
+              <a:rPr lang="zh-CN" altLang="en-US" sz="2200" b="1" cap="all" dirty="0">
+                <a:ln w="3175" cmpd="sng">
+                  <a:noFill/>
+                </a:ln>
+                <a:solidFill>
+                  <a:srgbClr val="FFFF00"/>
+                </a:solidFill>
+                <a:latin typeface="微软雅黑 Light" panose="020B0502040204020203" pitchFamily="34" charset="-122"/>
+                <a:ea typeface="微软雅黑 Light" panose="020B0502040204020203" pitchFamily="34" charset="-122"/>
+                <a:cs typeface="+mj-cs"/>
+              </a:rPr>
+              <a:t>或</a:t>
+            </a:r>
+            <a:r>
+              <a:rPr lang="zh-CN" altLang="en-US" sz="2200" cap="all" dirty="0">
+                <a:ln w="3175" cmpd="sng">
+                  <a:noFill/>
+                </a:ln>
+                <a:solidFill>
+                  <a:srgbClr val="FFFF00"/>
+                </a:solidFill>
+                <a:latin typeface="微软雅黑 Light" panose="020B0502040204020203" pitchFamily="34" charset="-122"/>
+                <a:ea typeface="微软雅黑 Light" panose="020B0502040204020203" pitchFamily="34" charset="-122"/>
+                <a:cs typeface="+mj-cs"/>
+              </a:rPr>
+              <a:t> 若本文与老牛同学</a:t>
+            </a:r>
+            <a:r>
+              <a:rPr lang="en-US" altLang="zh-CN" sz="2200" cap="all" dirty="0">
+                <a:ln w="3175" cmpd="sng">
+                  <a:noFill/>
+                </a:ln>
+                <a:solidFill>
+                  <a:srgbClr val="FFFF00"/>
+                </a:solidFill>
+                <a:latin typeface="微软雅黑 Light" panose="020B0502040204020203" pitchFamily="34" charset="-122"/>
+                <a:ea typeface="微软雅黑 Light" panose="020B0502040204020203" pitchFamily="34" charset="-122"/>
+                <a:cs typeface="+mj-cs"/>
+              </a:rPr>
+              <a:t>CSDN</a:t>
+            </a:r>
+            <a:r>
+              <a:rPr lang="zh-CN" altLang="en-US" sz="2200" cap="all" dirty="0">
+                <a:ln w="3175" cmpd="sng">
+                  <a:noFill/>
+                </a:ln>
+                <a:solidFill>
+                  <a:srgbClr val="FFFF00"/>
+                </a:solidFill>
+                <a:latin typeface="微软雅黑 Light" panose="020B0502040204020203" pitchFamily="34" charset="-122"/>
+                <a:ea typeface="微软雅黑 Light" panose="020B0502040204020203" pitchFamily="34" charset="-122"/>
+                <a:cs typeface="+mj-cs"/>
+              </a:rPr>
+              <a:t>同文阅读量总和达</a:t>
+            </a:r>
+            <a:r>
+              <a:rPr lang="en-US" altLang="zh-CN" sz="2200" cap="all" dirty="0">
+                <a:ln w="3175" cmpd="sng">
+                  <a:noFill/>
+                </a:ln>
+                <a:solidFill>
+                  <a:srgbClr val="FFFF00"/>
+                </a:solidFill>
+                <a:latin typeface="微软雅黑 Light" panose="020B0502040204020203" pitchFamily="34" charset="-122"/>
+                <a:ea typeface="微软雅黑 Light" panose="020B0502040204020203" pitchFamily="34" charset="-122"/>
+                <a:cs typeface="+mj-cs"/>
+              </a:rPr>
+              <a:t>2000</a:t>
+            </a:r>
+            <a:r>
+              <a:rPr lang="zh-CN" altLang="en-US" sz="2200" cap="all" dirty="0">
+                <a:ln w="3175" cmpd="sng">
+                  <a:noFill/>
+                </a:ln>
+                <a:solidFill>
+                  <a:srgbClr val="FFFF00"/>
+                </a:solidFill>
+                <a:latin typeface="微软雅黑 Light" panose="020B0502040204020203" pitchFamily="34" charset="-122"/>
+                <a:ea typeface="微软雅黑 Light" panose="020B0502040204020203" pitchFamily="34" charset="-122"/>
+                <a:cs typeface="+mj-cs"/>
+              </a:rPr>
+              <a:t>及以上，则本文留言的点赞数</a:t>
+            </a:r>
+            <a:r>
+              <a:rPr lang="zh-CN" altLang="en-US" sz="2200" cap="all" dirty="0">
+                <a:ln w="3175" cmpd="sng">
+                  <a:noFill/>
+                </a:ln>
+                <a:solidFill>
+                  <a:schemeClr val="accent2"/>
+                </a:solidFill>
+                <a:latin typeface="微软雅黑 Light" panose="020B0502040204020203" pitchFamily="34" charset="-122"/>
+                <a:ea typeface="微软雅黑 Light" panose="020B0502040204020203" pitchFamily="34" charset="-122"/>
+                <a:cs typeface="+mj-cs"/>
+              </a:rPr>
+              <a:t>前</a:t>
+            </a:r>
+            <a:r>
+              <a:rPr lang="en-US" altLang="zh-CN" sz="2200" cap="all" dirty="0">
+                <a:ln w="3175" cmpd="sng">
+                  <a:noFill/>
+                </a:ln>
+                <a:solidFill>
+                  <a:schemeClr val="accent2"/>
+                </a:solidFill>
+                <a:latin typeface="微软雅黑 Light" panose="020B0502040204020203" pitchFamily="34" charset="-122"/>
+                <a:ea typeface="微软雅黑 Light" panose="020B0502040204020203" pitchFamily="34" charset="-122"/>
+                <a:cs typeface="+mj-cs"/>
+              </a:rPr>
+              <a:t>6</a:t>
+            </a:r>
+            <a:r>
+              <a:rPr lang="zh-CN" altLang="en-US" sz="2200" cap="all" dirty="0">
+                <a:ln w="3175" cmpd="sng">
+                  <a:noFill/>
+                </a:ln>
+                <a:solidFill>
+                  <a:schemeClr val="accent2"/>
+                </a:solidFill>
+                <a:latin typeface="微软雅黑 Light" panose="020B0502040204020203" pitchFamily="34" charset="-122"/>
+                <a:ea typeface="微软雅黑 Light" panose="020B0502040204020203" pitchFamily="34" charset="-122"/>
+                <a:cs typeface="+mj-cs"/>
+              </a:rPr>
+              <a:t>名</a:t>
+            </a:r>
+            <a:r>
+              <a:rPr lang="zh-CN" altLang="en-US" sz="2200" cap="all" dirty="0">
+                <a:ln w="3175" cmpd="sng">
+                  <a:noFill/>
+                </a:ln>
+                <a:solidFill>
+                  <a:srgbClr val="FFFF00"/>
+                </a:solidFill>
+                <a:latin typeface="微软雅黑 Light" panose="020B0502040204020203" pitchFamily="34" charset="-122"/>
+                <a:ea typeface="微软雅黑 Light" panose="020B0502040204020203" pitchFamily="34" charset="-122"/>
+                <a:cs typeface="+mj-cs"/>
+              </a:rPr>
+              <a:t>的关注者均可免费包邮获赠此书（欢迎大家转发推荐本文）</a:t>
+            </a:r>
+          </a:p>
+          <a:p>
+            <a:pPr>
+              <a:lnSpc>
+                <a:spcPct val="150000"/>
+              </a:lnSpc>
+              <a:spcBef>
+                <a:spcPct val="0"/>
+              </a:spcBef>
+            </a:pPr>
+            <a:r>
+              <a:rPr lang="en-US" altLang="zh-CN" sz="2200" cap="all" dirty="0">
+                <a:ln w="3175" cmpd="sng">
+                  <a:noFill/>
+                </a:ln>
+                <a:solidFill>
+                  <a:srgbClr val="FFFF00"/>
+                </a:solidFill>
+                <a:latin typeface="微软雅黑 Light" panose="020B0502040204020203" pitchFamily="34" charset="-122"/>
+                <a:ea typeface="微软雅黑 Light" panose="020B0502040204020203" pitchFamily="34" charset="-122"/>
+                <a:cs typeface="+mj-cs"/>
+              </a:rPr>
+              <a:t>3. </a:t>
+            </a:r>
+            <a:r>
+              <a:rPr lang="zh-CN" altLang="en-US" sz="2200" cap="all" dirty="0">
+                <a:ln w="3175" cmpd="sng">
+                  <a:noFill/>
+                </a:ln>
+                <a:solidFill>
+                  <a:srgbClr val="FFFF00"/>
+                </a:solidFill>
+                <a:latin typeface="微软雅黑 Light" panose="020B0502040204020203" pitchFamily="34" charset="-122"/>
+                <a:ea typeface="微软雅黑 Light" panose="020B0502040204020203" pitchFamily="34" charset="-122"/>
+                <a:cs typeface="+mj-cs"/>
+              </a:rPr>
+              <a:t>老牛同学不参与此次活动！</a:t>
+            </a:r>
+          </a:p>
+        </p:txBody>
+      </p:sp>
+      <p:sp>
+        <p:nvSpPr>
+          <p:cNvPr id="6" name="文本框 5">
+            <a:extLst>
+              <a:ext uri="{FF2B5EF4-FFF2-40B4-BE49-F238E27FC236}">
+                <a16:creationId xmlns:a16="http://schemas.microsoft.com/office/drawing/2014/main" id="{7B1E7D0D-D4DF-7464-41CB-115A20DCC5D8}"/>
+              </a:ext>
+            </a:extLst>
+          </p:cNvPr>
+          <p:cNvSpPr txBox="1"/>
+          <p:nvPr/>
+        </p:nvSpPr>
+        <p:spPr>
+          <a:xfrm>
+            <a:off x="113662" y="11409680"/>
+            <a:ext cx="4195379" cy="369332"/>
+          </a:xfrm>
+          <a:prstGeom prst="rect">
+            <a:avLst/>
+          </a:prstGeom>
+          <a:noFill/>
+        </p:spPr>
+        <p:txBody>
+          <a:bodyPr wrap="none" rtlCol="0">
+            <a:spAutoFit/>
+          </a:bodyPr>
+          <a:lstStyle/>
+          <a:p>
+            <a:r>
+              <a:rPr lang="zh-CN" altLang="en-US" dirty="0">
+                <a:latin typeface="汉仪君黑" panose="020B0604020202020204" charset="-122"/>
+                <a:ea typeface="汉仪君黑" panose="020B0604020202020204" charset="-122"/>
+              </a:rPr>
+              <a:t>为方便大家购买本书，附上商品链接👇️</a:t>
+            </a:r>
+          </a:p>
+        </p:txBody>
+      </p:sp>
+      <p:pic>
+        <p:nvPicPr>
+          <p:cNvPr id="7" name="图片 6">
+            <a:extLst>
+              <a:ext uri="{FF2B5EF4-FFF2-40B4-BE49-F238E27FC236}">
+                <a16:creationId xmlns:a16="http://schemas.microsoft.com/office/drawing/2014/main" id="{FA14A3D8-55A6-48B3-5A1C-14FD2641E006}"/>
+              </a:ext>
+            </a:extLst>
+          </p:cNvPr>
+          <p:cNvPicPr>
+            <a:picLocks noChangeAspect="1"/>
+          </p:cNvPicPr>
+          <p:nvPr/>
+        </p:nvPicPr>
+        <p:blipFill>
+          <a:blip r:embed="rId2"/>
+          <a:stretch>
+            <a:fillRect/>
+          </a:stretch>
+        </p:blipFill>
+        <p:spPr>
+          <a:xfrm>
+            <a:off x="-3" y="176108"/>
+            <a:ext cx="6858000" cy="6858000"/>
+          </a:xfrm>
+          <a:prstGeom prst="rect">
+            <a:avLst/>
+          </a:prstGeom>
+        </p:spPr>
+      </p:pic>
+    </p:spTree>
+    <p:extLst>
+      <p:ext uri="{BB962C8B-B14F-4D97-AF65-F5344CB8AC3E}">
+        <p14:creationId xmlns:p14="http://schemas.microsoft.com/office/powerpoint/2010/main" val="675771900"/>
+      </p:ext>
+    </p:extLst>
+  </p:cSld>
+  <p:clrMapOvr>
+    <a:masterClrMapping/>
+  </p:clrMapOvr>
+</p:sld>
+</file>
+
+<file path=ppt/slides/slide3.xml><?xml version="1.0" encoding="utf-8"?>
+<p:sld xmlns:a="http://schemas.openxmlformats.org/drawingml/2006/main" xmlns:r="http://schemas.openxmlformats.org/officeDocument/2006/relationships" xmlns:p="http://schemas.openxmlformats.org/presentationml/2006/main">
+  <p:cSld>
+    <p:spTree>
+      <p:nvGrpSpPr>
+        <p:cNvPr id="1" name="">
+          <a:extLst>
+            <a:ext uri="{FF2B5EF4-FFF2-40B4-BE49-F238E27FC236}">
+              <a16:creationId xmlns:a16="http://schemas.microsoft.com/office/drawing/2014/main" id="{D5C25993-2667-2FF5-4ADD-651BF182798A}"/>
+            </a:ext>
+          </a:extLst>
+        </p:cNvPr>
+        <p:cNvGrpSpPr/>
+        <p:nvPr/>
+      </p:nvGrpSpPr>
+      <p:grpSpPr>
+        <a:xfrm>
+          <a:off x="0" y="0"/>
+          <a:ext cx="0" cy="0"/>
+          <a:chOff x="0" y="0"/>
+          <a:chExt cx="0" cy="0"/>
+        </a:xfrm>
+      </p:grpSpPr>
+    </p:spTree>
+    <p:extLst>
+      <p:ext uri="{BB962C8B-B14F-4D97-AF65-F5344CB8AC3E}">
+        <p14:creationId xmlns:p14="http://schemas.microsoft.com/office/powerpoint/2010/main" val="960785669"/>
+      </p:ext>
+    </p:extLst>
+  </p:cSld>
+  <p:clrMapOvr>
+    <a:masterClrMapping/>
+  </p:clrMapOvr>
+</p:sld>
+</file>
+
 <file path=ppt/theme/theme1.xml><?xml version="1.0" encoding="utf-8"?>
 <a:theme xmlns:a="http://schemas.openxmlformats.org/drawingml/2006/main" name="切片">
   <a:themeElements>
